--- a/src/main/info/1팀 2차 프로젝트(spring-boot).pptx
+++ b/src/main/info/1팀 2차 프로젝트(spring-boot).pptx
@@ -9,17 +9,18 @@
     <p:sldId id="257" r:id="rId3"/>
     <p:sldId id="258" r:id="rId4"/>
     <p:sldId id="259" r:id="rId5"/>
-    <p:sldId id="268" r:id="rId6"/>
-    <p:sldId id="269" r:id="rId7"/>
-    <p:sldId id="270" r:id="rId8"/>
-    <p:sldId id="260" r:id="rId9"/>
-    <p:sldId id="261" r:id="rId10"/>
-    <p:sldId id="262" r:id="rId11"/>
-    <p:sldId id="263" r:id="rId12"/>
-    <p:sldId id="264" r:id="rId13"/>
-    <p:sldId id="265" r:id="rId14"/>
-    <p:sldId id="266" r:id="rId15"/>
-    <p:sldId id="267" r:id="rId16"/>
+    <p:sldId id="271" r:id="rId6"/>
+    <p:sldId id="268" r:id="rId7"/>
+    <p:sldId id="269" r:id="rId8"/>
+    <p:sldId id="270" r:id="rId9"/>
+    <p:sldId id="260" r:id="rId10"/>
+    <p:sldId id="261" r:id="rId11"/>
+    <p:sldId id="262" r:id="rId12"/>
+    <p:sldId id="263" r:id="rId13"/>
+    <p:sldId id="264" r:id="rId14"/>
+    <p:sldId id="265" r:id="rId15"/>
+    <p:sldId id="266" r:id="rId16"/>
+    <p:sldId id="267" r:id="rId17"/>
   </p:sldIdLst>
   <p:sldSz cx="9144000" cy="6858000" type="screen4x3"/>
   <p:notesSz cx="6858000" cy="9144000"/>
@@ -295,7 +296,7 @@
             <a:fld id="{00602777-EDDD-4E1C-9A25-53AA0F22EDF3}" type="datetimeFigureOut">
               <a:rPr lang="ko-KR" altLang="en-US" smtClean="0"/>
               <a:pPr/>
-              <a:t>2021-02-15</a:t>
+              <a:t>2021-02-22</a:t>
             </a:fld>
             <a:endParaRPr lang="ko-KR" altLang="en-US"/>
           </a:p>
@@ -462,7 +463,7 @@
             <a:fld id="{00602777-EDDD-4E1C-9A25-53AA0F22EDF3}" type="datetimeFigureOut">
               <a:rPr lang="ko-KR" altLang="en-US" smtClean="0"/>
               <a:pPr/>
-              <a:t>2021-02-15</a:t>
+              <a:t>2021-02-22</a:t>
             </a:fld>
             <a:endParaRPr lang="ko-KR" altLang="en-US"/>
           </a:p>
@@ -639,7 +640,7 @@
             <a:fld id="{00602777-EDDD-4E1C-9A25-53AA0F22EDF3}" type="datetimeFigureOut">
               <a:rPr lang="ko-KR" altLang="en-US" smtClean="0"/>
               <a:pPr/>
-              <a:t>2021-02-15</a:t>
+              <a:t>2021-02-22</a:t>
             </a:fld>
             <a:endParaRPr lang="ko-KR" altLang="en-US"/>
           </a:p>
@@ -806,7 +807,7 @@
             <a:fld id="{00602777-EDDD-4E1C-9A25-53AA0F22EDF3}" type="datetimeFigureOut">
               <a:rPr lang="ko-KR" altLang="en-US" smtClean="0"/>
               <a:pPr/>
-              <a:t>2021-02-15</a:t>
+              <a:t>2021-02-22</a:t>
             </a:fld>
             <a:endParaRPr lang="ko-KR" altLang="en-US"/>
           </a:p>
@@ -1050,7 +1051,7 @@
             <a:fld id="{00602777-EDDD-4E1C-9A25-53AA0F22EDF3}" type="datetimeFigureOut">
               <a:rPr lang="ko-KR" altLang="en-US" smtClean="0"/>
               <a:pPr/>
-              <a:t>2021-02-15</a:t>
+              <a:t>2021-02-22</a:t>
             </a:fld>
             <a:endParaRPr lang="ko-KR" altLang="en-US"/>
           </a:p>
@@ -1316,7 +1317,7 @@
             <a:fld id="{00602777-EDDD-4E1C-9A25-53AA0F22EDF3}" type="datetimeFigureOut">
               <a:rPr lang="ko-KR" altLang="en-US" smtClean="0"/>
               <a:pPr/>
-              <a:t>2021-02-15</a:t>
+              <a:t>2021-02-22</a:t>
             </a:fld>
             <a:endParaRPr lang="ko-KR" altLang="en-US"/>
           </a:p>
@@ -1696,7 +1697,7 @@
             <a:fld id="{00602777-EDDD-4E1C-9A25-53AA0F22EDF3}" type="datetimeFigureOut">
               <a:rPr lang="ko-KR" altLang="en-US" smtClean="0"/>
               <a:pPr/>
-              <a:t>2021-02-15</a:t>
+              <a:t>2021-02-22</a:t>
             </a:fld>
             <a:endParaRPr lang="ko-KR" altLang="en-US"/>
           </a:p>
@@ -1848,7 +1849,7 @@
             <a:fld id="{00602777-EDDD-4E1C-9A25-53AA0F22EDF3}" type="datetimeFigureOut">
               <a:rPr lang="ko-KR" altLang="en-US" smtClean="0"/>
               <a:pPr/>
-              <a:t>2021-02-15</a:t>
+              <a:t>2021-02-22</a:t>
             </a:fld>
             <a:endParaRPr lang="ko-KR" altLang="en-US"/>
           </a:p>
@@ -1940,7 +1941,7 @@
             <a:fld id="{00602777-EDDD-4E1C-9A25-53AA0F22EDF3}" type="datetimeFigureOut">
               <a:rPr lang="ko-KR" altLang="en-US" smtClean="0"/>
               <a:pPr/>
-              <a:t>2021-02-15</a:t>
+              <a:t>2021-02-22</a:t>
             </a:fld>
             <a:endParaRPr lang="ko-KR" altLang="en-US"/>
           </a:p>
@@ -2203,7 +2204,7 @@
             <a:fld id="{00602777-EDDD-4E1C-9A25-53AA0F22EDF3}" type="datetimeFigureOut">
               <a:rPr lang="ko-KR" altLang="en-US" smtClean="0"/>
               <a:pPr/>
-              <a:t>2021-02-15</a:t>
+              <a:t>2021-02-22</a:t>
             </a:fld>
             <a:endParaRPr lang="ko-KR" altLang="en-US"/>
           </a:p>
@@ -2493,7 +2494,7 @@
             <a:fld id="{00602777-EDDD-4E1C-9A25-53AA0F22EDF3}" type="datetimeFigureOut">
               <a:rPr lang="ko-KR" altLang="en-US" smtClean="0"/>
               <a:pPr/>
-              <a:t>2021-02-15</a:t>
+              <a:t>2021-02-22</a:t>
             </a:fld>
             <a:endParaRPr lang="ko-KR" altLang="en-US"/>
           </a:p>
@@ -3266,7 +3267,7 @@
             <a:fld id="{00602777-EDDD-4E1C-9A25-53AA0F22EDF3}" type="datetimeFigureOut">
               <a:rPr lang="ko-KR" altLang="en-US" smtClean="0"/>
               <a:pPr/>
-              <a:t>2021-02-15</a:t>
+              <a:t>2021-02-22</a:t>
             </a:fld>
             <a:endParaRPr lang="ko-KR" altLang="en-US"/>
           </a:p>
@@ -4011,7 +4012,7 @@
             </a:r>
             <a:r>
               <a:rPr lang="ko-KR" altLang="en-US" dirty="0" smtClean="0"/>
-              <a:t>박용순</a:t>
+              <a:t>이승준</a:t>
             </a:r>
             <a:endParaRPr lang="ko-KR" altLang="en-US" dirty="0"/>
           </a:p>
@@ -4030,34 +4031,166 @@
         <p:spPr/>
         <p:txBody>
           <a:bodyPr>
-            <a:normAutofit/>
+            <a:normAutofit fontScale="92500" lnSpcReduction="10000"/>
           </a:bodyPr>
           <a:lstStyle/>
           <a:p>
             <a:r>
-              <a:rPr lang="ko-KR" altLang="en-US" dirty="0" smtClean="0"/>
-              <a:t>적립금</a:t>
+              <a:rPr lang="ko-KR" altLang="en-US" sz="2400" dirty="0" smtClean="0"/>
+              <a:t>프로젝트  기본셋팅 </a:t>
+            </a:r>
+            <a:r>
+              <a:rPr lang="en-US" altLang="ko-KR" sz="2400" dirty="0" smtClean="0"/>
+              <a:t>(spring-boot)</a:t>
+            </a:r>
+          </a:p>
+          <a:p>
+            <a:r>
+              <a:rPr lang="ko-KR" altLang="en-US" sz="2400" dirty="0" smtClean="0"/>
+              <a:t>폴더 기본구조 설계 </a:t>
+            </a:r>
+            <a:r>
+              <a:rPr lang="en-US" altLang="ko-KR" sz="2400" dirty="0" smtClean="0"/>
+              <a:t>(M : dto/mapper, V : jsp/sitemesh template/js/css, C : Controller)</a:t>
+            </a:r>
+          </a:p>
+          <a:p>
+            <a:r>
+              <a:rPr lang="en-US" altLang="ko-KR" sz="2400" dirty="0" smtClean="0"/>
+              <a:t>DB</a:t>
+            </a:r>
+            <a:r>
+              <a:rPr lang="ko-KR" altLang="en-US" sz="2400" dirty="0" smtClean="0"/>
+              <a:t>모델링</a:t>
+            </a:r>
+            <a:endParaRPr lang="en-US" altLang="ko-KR" sz="2400" dirty="0" smtClean="0"/>
+          </a:p>
+          <a:p>
+            <a:r>
+              <a:rPr lang="ko-KR" altLang="en-US" sz="2400" dirty="0" smtClean="0"/>
+              <a:t>서비스 </a:t>
+            </a:r>
+            <a:r>
+              <a:rPr lang="en-US" altLang="ko-KR" sz="2400" dirty="0" smtClean="0"/>
+              <a:t>.java </a:t>
+            </a:r>
+            <a:r>
+              <a:rPr lang="ko-KR" altLang="en-US" sz="2400" dirty="0" smtClean="0"/>
+              <a:t>클래스들의 </a:t>
+            </a:r>
+            <a:r>
+              <a:rPr lang="en-US" altLang="ko-KR" sz="2400" dirty="0" smtClean="0"/>
+              <a:t>interface</a:t>
+            </a:r>
+            <a:r>
+              <a:rPr lang="ko-KR" altLang="en-US" sz="2400" dirty="0" smtClean="0"/>
+              <a:t>작성 </a:t>
+            </a:r>
+            <a:r>
+              <a:rPr lang="en-US" altLang="ko-KR" sz="2400" dirty="0" smtClean="0"/>
+              <a:t>1</a:t>
+            </a:r>
+            <a:r>
+              <a:rPr lang="ko-KR" altLang="en-US" sz="2400" dirty="0" smtClean="0"/>
+              <a:t>차 목표인 쇼핑몰이 공동 작업이기 때문에 테이블별로 기능이 덜 구현되었을때 흐름이 끊기는것을 방지하기 위해서 기능 구현전에 </a:t>
+            </a:r>
+            <a:r>
+              <a:rPr lang="en-US" altLang="ko-KR" sz="2400" dirty="0" smtClean="0"/>
+              <a:t>interface</a:t>
+            </a:r>
+            <a:r>
+              <a:rPr lang="ko-KR" altLang="en-US" sz="2400" dirty="0" smtClean="0"/>
+              <a:t>로 기능에 필요한 메소드를 모두 정의해서 개인별 작업에서 다른 테이블의 기능이 필요할시 메서드를 호출하게 유도</a:t>
+            </a:r>
+            <a:endParaRPr lang="en-US" altLang="ko-KR" sz="2400" dirty="0" smtClean="0"/>
+          </a:p>
+          <a:p>
+            <a:r>
+              <a:rPr lang="ko-KR" altLang="en-US" dirty="0" smtClean="0"/>
+              <a:t>회원</a:t>
+            </a:r>
+            <a:r>
+              <a:rPr lang="en-US" altLang="ko-KR" dirty="0" smtClean="0"/>
+              <a:t>/</a:t>
+            </a:r>
+            <a:r>
+              <a:rPr lang="ko-KR" altLang="en-US" dirty="0" smtClean="0"/>
+              <a:t>상품</a:t>
+            </a:r>
+            <a:r>
+              <a:rPr lang="en-US" altLang="ko-KR" dirty="0" smtClean="0"/>
+              <a:t>/</a:t>
+            </a:r>
+            <a:r>
+              <a:rPr lang="ko-KR" altLang="en-US" dirty="0" smtClean="0"/>
+              <a:t>상품설명</a:t>
+            </a:r>
+            <a:r>
+              <a:rPr lang="en-US" altLang="ko-KR" dirty="0" smtClean="0"/>
+              <a:t>/</a:t>
+            </a:r>
+            <a:r>
+              <a:rPr lang="ko-KR" altLang="en-US" dirty="0" smtClean="0"/>
+              <a:t>상품이미지</a:t>
+            </a:r>
+            <a:r>
+              <a:rPr lang="en-US" altLang="ko-KR" dirty="0" smtClean="0"/>
+              <a:t>/</a:t>
+            </a:r>
+            <a:r>
+              <a:rPr lang="ko-KR" altLang="en-US" dirty="0" smtClean="0"/>
+              <a:t>상품문의</a:t>
+            </a:r>
+            <a:r>
+              <a:rPr lang="en-US" altLang="ko-KR" dirty="0" smtClean="0"/>
+              <a:t>/</a:t>
+            </a:r>
+            <a:r>
+              <a:rPr lang="ko-KR" altLang="en-US" dirty="0" smtClean="0"/>
+              <a:t>상품옵션</a:t>
+            </a:r>
+            <a:r>
+              <a:rPr lang="en-US" altLang="ko-KR" dirty="0" smtClean="0"/>
+              <a:t>/</a:t>
+            </a:r>
+            <a:r>
+              <a:rPr lang="ko-KR" altLang="en-US" dirty="0" smtClean="0"/>
+              <a:t>상품후기</a:t>
+            </a:r>
+            <a:r>
+              <a:rPr lang="en-US" altLang="ko-KR" dirty="0" smtClean="0"/>
+              <a:t>/</a:t>
+            </a:r>
+            <a:r>
+              <a:rPr lang="ko-KR" altLang="en-US" dirty="0" smtClean="0"/>
+              <a:t>카테고리</a:t>
+            </a:r>
+            <a:r>
+              <a:rPr lang="en-US" altLang="ko-KR" dirty="0" smtClean="0"/>
+              <a:t>/</a:t>
+            </a:r>
+            <a:r>
+              <a:rPr lang="ko-KR" altLang="en-US" dirty="0" smtClean="0"/>
+              <a:t>추천</a:t>
+            </a:r>
+            <a:r>
+              <a:rPr lang="en-US" altLang="ko-KR" dirty="0" smtClean="0"/>
+              <a:t>/</a:t>
+            </a:r>
+            <a:r>
+              <a:rPr lang="ko-KR" altLang="en-US" dirty="0" smtClean="0"/>
+              <a:t>등급 기능 구현</a:t>
             </a:r>
             <a:endParaRPr lang="en-US" altLang="ko-KR" dirty="0" smtClean="0"/>
           </a:p>
           <a:p>
             <a:r>
-              <a:rPr lang="ko-KR" altLang="en-US" dirty="0" smtClean="0"/>
-              <a:t>적립금내역</a:t>
-            </a:r>
-            <a:endParaRPr lang="en-US" altLang="ko-KR" dirty="0" smtClean="0"/>
-          </a:p>
-          <a:p>
-            <a:r>
-              <a:rPr lang="ko-KR" altLang="en-US" dirty="0" smtClean="0"/>
-              <a:t>쿠폰</a:t>
-            </a:r>
-            <a:endParaRPr lang="en-US" altLang="ko-KR" dirty="0" smtClean="0"/>
-          </a:p>
-          <a:p>
-            <a:r>
-              <a:rPr lang="ko-KR" altLang="en-US" dirty="0" smtClean="0"/>
-              <a:t>내쿠폰</a:t>
+              <a:rPr lang="en-US" altLang="ko-KR" dirty="0" smtClean="0"/>
+              <a:t>Javascript</a:t>
+            </a:r>
+            <a:r>
+              <a:rPr lang="ko-KR" altLang="en-US" dirty="0" smtClean="0"/>
+              <a:t>로 만든 달력</a:t>
             </a:r>
             <a:endParaRPr lang="en-US" altLang="ko-KR" dirty="0" smtClean="0"/>
           </a:p>
@@ -4113,7 +4246,7 @@
             </a:r>
             <a:r>
               <a:rPr lang="ko-KR" altLang="en-US" dirty="0" smtClean="0"/>
-              <a:t>진우람</a:t>
+              <a:t>박용순</a:t>
             </a:r>
             <a:endParaRPr lang="ko-KR" altLang="en-US" dirty="0"/>
           </a:p>
@@ -4138,21 +4271,28 @@
           <a:p>
             <a:r>
               <a:rPr lang="ko-KR" altLang="en-US" dirty="0" smtClean="0"/>
-              <a:t>팝업</a:t>
+              <a:t>적립금</a:t>
             </a:r>
             <a:endParaRPr lang="en-US" altLang="ko-KR" dirty="0" smtClean="0"/>
           </a:p>
           <a:p>
             <a:r>
               <a:rPr lang="ko-KR" altLang="en-US" dirty="0" smtClean="0"/>
-              <a:t>레시피</a:t>
+              <a:t>적립금내역</a:t>
             </a:r>
             <a:endParaRPr lang="en-US" altLang="ko-KR" dirty="0" smtClean="0"/>
           </a:p>
           <a:p>
             <a:r>
               <a:rPr lang="ko-KR" altLang="en-US" dirty="0" smtClean="0"/>
-              <a:t>이벤트</a:t>
+              <a:t>쿠폰</a:t>
+            </a:r>
+            <a:endParaRPr lang="en-US" altLang="ko-KR" dirty="0" smtClean="0"/>
+          </a:p>
+          <a:p>
+            <a:r>
+              <a:rPr lang="ko-KR" altLang="en-US" dirty="0" smtClean="0"/>
+              <a:t>내쿠폰</a:t>
             </a:r>
             <a:endParaRPr lang="en-US" altLang="ko-KR" dirty="0" smtClean="0"/>
           </a:p>
@@ -4208,7 +4348,7 @@
             </a:r>
             <a:r>
               <a:rPr lang="ko-KR" altLang="en-US" dirty="0" smtClean="0"/>
-              <a:t>정지원</a:t>
+              <a:t>진우람</a:t>
             </a:r>
             <a:endParaRPr lang="ko-KR" altLang="en-US" dirty="0"/>
           </a:p>
@@ -4226,26 +4366,28 @@
         </p:nvSpPr>
         <p:spPr/>
         <p:txBody>
-          <a:bodyPr/>
-          <a:lstStyle/>
-          <a:p>
-            <a:r>
-              <a:rPr lang="ko-KR" altLang="en-US" dirty="0" smtClean="0"/>
-              <a:t>장바구니</a:t>
+          <a:bodyPr>
+            <a:normAutofit/>
+          </a:bodyPr>
+          <a:lstStyle/>
+          <a:p>
+            <a:r>
+              <a:rPr lang="ko-KR" altLang="en-US" dirty="0" smtClean="0"/>
+              <a:t>팝업</a:t>
             </a:r>
             <a:endParaRPr lang="en-US" altLang="ko-KR" dirty="0" smtClean="0"/>
           </a:p>
           <a:p>
             <a:r>
               <a:rPr lang="ko-KR" altLang="en-US" dirty="0" smtClean="0"/>
-              <a:t>늘사는것</a:t>
+              <a:t>레시피</a:t>
             </a:r>
             <a:endParaRPr lang="en-US" altLang="ko-KR" dirty="0" smtClean="0"/>
           </a:p>
           <a:p>
             <a:r>
               <a:rPr lang="ko-KR" altLang="en-US" dirty="0" smtClean="0"/>
-              <a:t>최근본상품</a:t>
+              <a:t>이벤트</a:t>
             </a:r>
             <a:endParaRPr lang="en-US" altLang="ko-KR" dirty="0" smtClean="0"/>
           </a:p>
@@ -4301,7 +4443,7 @@
             </a:r>
             <a:r>
               <a:rPr lang="ko-KR" altLang="en-US" dirty="0" smtClean="0"/>
-              <a:t>김희수</a:t>
+              <a:t>정지원</a:t>
             </a:r>
             <a:endParaRPr lang="ko-KR" altLang="en-US" dirty="0"/>
           </a:p>
@@ -4324,23 +4466,23 @@
           <a:p>
             <a:r>
               <a:rPr lang="ko-KR" altLang="en-US" dirty="0" smtClean="0"/>
-              <a:t>대량주문문의</a:t>
+              <a:t>장바구니</a:t>
             </a:r>
             <a:endParaRPr lang="en-US" altLang="ko-KR" dirty="0" smtClean="0"/>
           </a:p>
           <a:p>
             <a:r>
               <a:rPr lang="ko-KR" altLang="en-US" dirty="0" smtClean="0"/>
-              <a:t>상품제안</a:t>
+              <a:t>늘사는것</a:t>
             </a:r>
             <a:endParaRPr lang="en-US" altLang="ko-KR" dirty="0" smtClean="0"/>
           </a:p>
           <a:p>
             <a:r>
               <a:rPr lang="ko-KR" altLang="en-US" dirty="0" smtClean="0"/>
-              <a:t>에코포장피드백</a:t>
-            </a:r>
-            <a:endParaRPr lang="ko-KR" altLang="en-US" dirty="0"/>
+              <a:t>최근본상품</a:t>
+            </a:r>
+            <a:endParaRPr lang="en-US" altLang="ko-KR" dirty="0" smtClean="0"/>
           </a:p>
         </p:txBody>
       </p:sp>
@@ -4394,7 +4536,7 @@
             </a:r>
             <a:r>
               <a:rPr lang="ko-KR" altLang="en-US" dirty="0" smtClean="0"/>
-              <a:t>헨리</a:t>
+              <a:t>김희수</a:t>
             </a:r>
             <a:endParaRPr lang="ko-KR" altLang="en-US" dirty="0"/>
           </a:p>
@@ -4417,23 +4559,23 @@
           <a:p>
             <a:r>
               <a:rPr lang="ko-KR" altLang="en-US" dirty="0" smtClean="0"/>
-              <a:t>결제</a:t>
+              <a:t>대량주문문의</a:t>
             </a:r>
             <a:endParaRPr lang="en-US" altLang="ko-KR" dirty="0" smtClean="0"/>
           </a:p>
           <a:p>
             <a:r>
               <a:rPr lang="ko-KR" altLang="en-US" dirty="0" smtClean="0"/>
-              <a:t>주문</a:t>
+              <a:t>상품제안</a:t>
             </a:r>
             <a:endParaRPr lang="en-US" altLang="ko-KR" dirty="0" smtClean="0"/>
           </a:p>
           <a:p>
             <a:r>
               <a:rPr lang="ko-KR" altLang="en-US" dirty="0" smtClean="0"/>
-              <a:t>주문목록</a:t>
-            </a:r>
-            <a:endParaRPr lang="en-US" altLang="ko-KR" dirty="0" smtClean="0"/>
+              <a:t>에코포장피드백</a:t>
+            </a:r>
+            <a:endParaRPr lang="ko-KR" altLang="en-US" dirty="0"/>
           </a:p>
         </p:txBody>
       </p:sp>
@@ -4487,6 +4629,99 @@
             </a:r>
             <a:r>
               <a:rPr lang="ko-KR" altLang="en-US" dirty="0" smtClean="0"/>
+              <a:t>헨리</a:t>
+            </a:r>
+            <a:endParaRPr lang="ko-KR" altLang="en-US" dirty="0"/>
+          </a:p>
+        </p:txBody>
+      </p:sp>
+      <p:sp>
+        <p:nvSpPr>
+          <p:cNvPr id="3" name="내용 개체 틀 2"/>
+          <p:cNvSpPr>
+            <a:spLocks noGrp="1"/>
+          </p:cNvSpPr>
+          <p:nvPr>
+            <p:ph idx="1"/>
+          </p:nvPr>
+        </p:nvSpPr>
+        <p:spPr/>
+        <p:txBody>
+          <a:bodyPr/>
+          <a:lstStyle/>
+          <a:p>
+            <a:r>
+              <a:rPr lang="ko-KR" altLang="en-US" dirty="0" smtClean="0"/>
+              <a:t>결제</a:t>
+            </a:r>
+            <a:endParaRPr lang="en-US" altLang="ko-KR" dirty="0" smtClean="0"/>
+          </a:p>
+          <a:p>
+            <a:r>
+              <a:rPr lang="ko-KR" altLang="en-US" dirty="0" smtClean="0"/>
+              <a:t>주문</a:t>
+            </a:r>
+            <a:endParaRPr lang="en-US" altLang="ko-KR" dirty="0" smtClean="0"/>
+          </a:p>
+          <a:p>
+            <a:r>
+              <a:rPr lang="ko-KR" altLang="en-US" dirty="0" smtClean="0"/>
+              <a:t>주문목록</a:t>
+            </a:r>
+            <a:endParaRPr lang="en-US" altLang="ko-KR" dirty="0" smtClean="0"/>
+          </a:p>
+        </p:txBody>
+      </p:sp>
+    </p:spTree>
+  </p:cSld>
+  <p:clrMapOvr>
+    <a:masterClrMapping/>
+  </p:clrMapOvr>
+</p:sld>
+</file>
+
+<file path=ppt/slides/slide16.xml><?xml version="1.0" encoding="utf-8"?>
+<p:sld xmlns:a="http://schemas.openxmlformats.org/drawingml/2006/main" xmlns:r="http://schemas.openxmlformats.org/officeDocument/2006/relationships" xmlns:p="http://schemas.openxmlformats.org/presentationml/2006/main">
+  <p:cSld>
+    <p:spTree>
+      <p:nvGrpSpPr>
+        <p:cNvPr id="1" name=""/>
+        <p:cNvGrpSpPr/>
+        <p:nvPr/>
+      </p:nvGrpSpPr>
+      <p:grpSpPr>
+        <a:xfrm>
+          <a:off x="0" y="0"/>
+          <a:ext cx="0" cy="0"/>
+          <a:chOff x="0" y="0"/>
+          <a:chExt cx="0" cy="0"/>
+        </a:xfrm>
+      </p:grpSpPr>
+      <p:sp>
+        <p:nvSpPr>
+          <p:cNvPr id="2" name="제목 1"/>
+          <p:cNvSpPr>
+            <a:spLocks noGrp="1"/>
+          </p:cNvSpPr>
+          <p:nvPr>
+            <p:ph type="title"/>
+          </p:nvPr>
+        </p:nvSpPr>
+        <p:spPr/>
+        <p:txBody>
+          <a:bodyPr/>
+          <a:lstStyle/>
+          <a:p>
+            <a:r>
+              <a:rPr lang="ko-KR" altLang="en-US" dirty="0" smtClean="0"/>
+              <a:t>개인별 구현 범위 </a:t>
+            </a:r>
+            <a:r>
+              <a:rPr lang="en-US" altLang="ko-KR" dirty="0" smtClean="0"/>
+              <a:t>- </a:t>
+            </a:r>
+            <a:r>
+              <a:rPr lang="ko-KR" altLang="en-US" dirty="0" smtClean="0"/>
               <a:t>강민규</a:t>
             </a:r>
             <a:endParaRPr lang="ko-KR" altLang="en-US" dirty="0"/>
@@ -5026,86 +5261,40 @@
           <a:lstStyle/>
           <a:p>
             <a:r>
-              <a:rPr lang="ko-KR" altLang="en-US" dirty="0" smtClean="0"/>
-              <a:t>네이밍 룰</a:t>
+              <a:rPr lang="en-US" altLang="ko-KR" dirty="0" smtClean="0"/>
+              <a:t>DB </a:t>
+            </a:r>
+            <a:r>
+              <a:rPr lang="ko-KR" altLang="en-US" dirty="0" smtClean="0"/>
+              <a:t>모델링</a:t>
             </a:r>
             <a:endParaRPr lang="ko-KR" altLang="en-US" dirty="0"/>
           </a:p>
         </p:txBody>
       </p:sp>
-      <p:sp>
-        <p:nvSpPr>
-          <p:cNvPr id="3" name="내용 개체 틀 2"/>
-          <p:cNvSpPr>
-            <a:spLocks noGrp="1"/>
-          </p:cNvSpPr>
+      <p:pic>
+        <p:nvPicPr>
+          <p:cNvPr id="4" name="내용 개체 틀 3" descr="doogle_logical.PNG"/>
+          <p:cNvPicPr>
+            <a:picLocks noGrp="1" noChangeAspect="1"/>
+          </p:cNvPicPr>
           <p:nvPr>
             <p:ph idx="1"/>
           </p:nvPr>
-        </p:nvSpPr>
-        <p:spPr/>
-        <p:txBody>
-          <a:bodyPr/>
-          <a:lstStyle/>
-          <a:p>
-            <a:r>
-              <a:rPr lang="en-US" altLang="ko-KR" sz="2400" dirty="0" smtClean="0"/>
-              <a:t>Java/jsp/js </a:t>
-            </a:r>
-            <a:r>
-              <a:rPr lang="ko-KR" altLang="en-US" sz="2400" dirty="0" smtClean="0"/>
-              <a:t>의 모든 변수</a:t>
-            </a:r>
-            <a:r>
-              <a:rPr lang="en-US" altLang="ko-KR" sz="2400" dirty="0" smtClean="0"/>
-              <a:t>/</a:t>
-            </a:r>
-            <a:r>
-              <a:rPr lang="ko-KR" altLang="en-US" sz="2400" dirty="0" smtClean="0"/>
-              <a:t>메소드명은 카멜 케이스를 따름</a:t>
-            </a:r>
-            <a:endParaRPr lang="en-US" altLang="ko-KR" sz="2400" dirty="0" smtClean="0"/>
-          </a:p>
-          <a:p>
-            <a:r>
-              <a:rPr lang="en-US" altLang="ko-KR" sz="2400" dirty="0" smtClean="0"/>
-              <a:t>Css</a:t>
-            </a:r>
-            <a:r>
-              <a:rPr lang="ko-KR" altLang="en-US" sz="2400" dirty="0" smtClean="0"/>
-              <a:t>의 경우는 예외적으로 케밥 케이스로 작성한다</a:t>
-            </a:r>
-            <a:endParaRPr lang="en-US" altLang="ko-KR" sz="2400" dirty="0" smtClean="0"/>
-          </a:p>
-          <a:p>
-            <a:r>
-              <a:rPr lang="ko-KR" altLang="en-US" sz="2400" dirty="0" smtClean="0"/>
-              <a:t>이유는 링크 설명으로 대체</a:t>
-            </a:r>
-            <a:r>
-              <a:rPr lang="en-US" altLang="ko-KR" sz="2400" dirty="0" smtClean="0"/>
-              <a:t>(</a:t>
-            </a:r>
-            <a:r>
-              <a:rPr lang="en-US" altLang="ko-KR" sz="2400" dirty="0" smtClean="0">
-                <a:hlinkClick r:id="rId2"/>
-              </a:rPr>
-              <a:t>https://findawayer.tistory.com/entry/CSS%EC%97%90%EC%84%9C-%EC%BA%90%EB%A9%80%EC%BC%80%EC%9D%B4%EC%8A%A4camelCase%EB%8A%94-%EC%A2%8B%EC%A7%80-%EC%95%8A%EB%8B%A4</a:t>
-            </a:r>
-            <a:r>
-              <a:rPr lang="en-US" altLang="ko-KR" sz="2400" dirty="0" smtClean="0"/>
-              <a:t>)</a:t>
-            </a:r>
-          </a:p>
-          <a:p>
-            <a:r>
-              <a:rPr lang="ko-KR" altLang="en-US" sz="2400" dirty="0" smtClean="0"/>
-              <a:t>재사용된 소스나 클론코딩한 소스의 경우 위의 네이밍룰에서 제외한다 프로젝트가 완성되고 시간이 남는다면 리팩토링</a:t>
-            </a:r>
-            <a:endParaRPr lang="ko-KR" altLang="en-US" sz="2400" dirty="0"/>
-          </a:p>
-        </p:txBody>
-      </p:sp>
+        </p:nvPicPr>
+        <p:blipFill>
+          <a:blip r:embed="rId2"/>
+          <a:stretch>
+            <a:fillRect/>
+          </a:stretch>
+        </p:blipFill>
+        <p:spPr>
+          <a:xfrm>
+            <a:off x="142844" y="1785926"/>
+            <a:ext cx="8929750" cy="5072074"/>
+          </a:xfrm>
+        </p:spPr>
+      </p:pic>
     </p:spTree>
   </p:cSld>
   <p:clrMapOvr>
@@ -5148,7 +5337,7 @@
           <a:p>
             <a:r>
               <a:rPr lang="ko-KR" altLang="en-US" dirty="0" smtClean="0"/>
-              <a:t>적용 라이브러리</a:t>
+              <a:t>네이밍 룰</a:t>
             </a:r>
             <a:endParaRPr lang="ko-KR" altLang="en-US" dirty="0"/>
           </a:p>
@@ -5166,204 +5355,64 @@
         </p:nvSpPr>
         <p:spPr/>
         <p:txBody>
-          <a:bodyPr>
-            <a:normAutofit fontScale="77500" lnSpcReduction="20000"/>
-          </a:bodyPr>
-          <a:lstStyle/>
-          <a:p>
-            <a:r>
-              <a:rPr lang="en-US" altLang="ko-KR" sz="2000" dirty="0" smtClean="0"/>
-              <a:t>maven dependency</a:t>
-            </a:r>
-          </a:p>
-          <a:p>
-            <a:r>
-              <a:rPr lang="en-US" altLang="ko-KR" sz="2000" dirty="0" smtClean="0"/>
-              <a:t>- spring-boot-devtools (java</a:t>
-            </a:r>
-            <a:r>
-              <a:rPr lang="ko-KR" altLang="en-US" sz="2000" dirty="0" smtClean="0"/>
-              <a:t>코드등 변경시 서버자동재시작</a:t>
-            </a:r>
-            <a:r>
-              <a:rPr lang="en-US" altLang="ko-KR" sz="2000" dirty="0" smtClean="0"/>
+          <a:bodyPr/>
+          <a:lstStyle/>
+          <a:p>
+            <a:r>
+              <a:rPr lang="en-US" altLang="ko-KR" sz="2400" dirty="0" smtClean="0"/>
+              <a:t>Java/jsp/js </a:t>
+            </a:r>
+            <a:r>
+              <a:rPr lang="ko-KR" altLang="en-US" sz="2400" dirty="0" smtClean="0"/>
+              <a:t>의 모든 변수</a:t>
+            </a:r>
+            <a:r>
+              <a:rPr lang="en-US" altLang="ko-KR" sz="2400" dirty="0" smtClean="0"/>
+              <a:t>/</a:t>
+            </a:r>
+            <a:r>
+              <a:rPr lang="ko-KR" altLang="en-US" sz="2400" dirty="0" smtClean="0"/>
+              <a:t>메소드명은 카멜 케이스를 따름</a:t>
+            </a:r>
+            <a:endParaRPr lang="en-US" altLang="ko-KR" sz="2400" dirty="0" smtClean="0"/>
+          </a:p>
+          <a:p>
+            <a:r>
+              <a:rPr lang="en-US" altLang="ko-KR" sz="2400" dirty="0" smtClean="0"/>
+              <a:t>Css</a:t>
+            </a:r>
+            <a:r>
+              <a:rPr lang="ko-KR" altLang="en-US" sz="2400" dirty="0" smtClean="0"/>
+              <a:t>의 경우는 예외적으로 케밥 케이스로 작성한다</a:t>
+            </a:r>
+            <a:endParaRPr lang="en-US" altLang="ko-KR" sz="2400" dirty="0" smtClean="0"/>
+          </a:p>
+          <a:p>
+            <a:r>
+              <a:rPr lang="ko-KR" altLang="en-US" sz="2400" dirty="0" smtClean="0"/>
+              <a:t>이유는 링크 설명으로 대체</a:t>
+            </a:r>
+            <a:r>
+              <a:rPr lang="en-US" altLang="ko-KR" sz="2400" dirty="0" smtClean="0"/>
+              <a:t>(</a:t>
+            </a:r>
+            <a:r>
+              <a:rPr lang="en-US" altLang="ko-KR" sz="2400" dirty="0" smtClean="0">
+                <a:hlinkClick r:id="rId2"/>
+              </a:rPr>
+              <a:t>https://findawayer.tistory.com/entry/CSS%EC%97%90%EC%84%9C-%EC%BA%90%EB%A9%80%EC%BC%80%EC%9D%B4%EC%8A%A4camelCase%EB%8A%94-%EC%A2%8B%EC%A7%80-%EC%95%8A%EB%8B%A4</a:t>
+            </a:r>
+            <a:r>
+              <a:rPr lang="en-US" altLang="ko-KR" sz="2400" dirty="0" smtClean="0"/>
               <a:t>)</a:t>
             </a:r>
           </a:p>
           <a:p>
             <a:r>
-              <a:rPr lang="en-US" altLang="ko-KR" sz="2000" dirty="0" smtClean="0"/>
-              <a:t>- mybatis-spring-boot-starter (mybatis)</a:t>
-            </a:r>
-          </a:p>
-          <a:p>
-            <a:r>
-              <a:rPr lang="en-US" altLang="ko-KR" sz="2000" dirty="0" smtClean="0"/>
-              <a:t>- lombok (dto getter/setter</a:t>
-            </a:r>
-            <a:r>
-              <a:rPr lang="ko-KR" altLang="en-US" sz="2000" dirty="0" smtClean="0"/>
-              <a:t>등 자동생성 </a:t>
-            </a:r>
-            <a:r>
-              <a:rPr lang="en-US" altLang="ko-KR" sz="2000" dirty="0" smtClean="0"/>
-              <a:t>lib)</a:t>
-            </a:r>
-          </a:p>
-          <a:p>
-            <a:r>
-              <a:rPr lang="en-US" altLang="ko-KR" sz="2000" dirty="0" smtClean="0"/>
-              <a:t>- tomcat-embed-jasper (jsp </a:t>
-            </a:r>
-            <a:r>
-              <a:rPr lang="ko-KR" altLang="en-US" sz="2000" dirty="0" smtClean="0"/>
-              <a:t>사용 </a:t>
-            </a:r>
-            <a:r>
-              <a:rPr lang="en-US" altLang="ko-KR" sz="2000" dirty="0" smtClean="0"/>
-              <a:t>spring-boot</a:t>
-            </a:r>
-            <a:r>
-              <a:rPr lang="ko-KR" altLang="en-US" sz="2000" dirty="0" smtClean="0"/>
-              <a:t>는 </a:t>
-            </a:r>
-            <a:r>
-              <a:rPr lang="en-US" altLang="ko-KR" sz="2000" dirty="0" smtClean="0"/>
-              <a:t>jsp</a:t>
-            </a:r>
-            <a:r>
-              <a:rPr lang="ko-KR" altLang="en-US" sz="2000" dirty="0" smtClean="0"/>
-              <a:t>를 권장하지않음</a:t>
-            </a:r>
-            <a:r>
-              <a:rPr lang="en-US" altLang="ko-KR" sz="2000" dirty="0" smtClean="0"/>
-              <a:t>)</a:t>
-            </a:r>
-          </a:p>
-          <a:p>
-            <a:r>
-              <a:rPr lang="en-US" altLang="ko-KR" sz="2000" dirty="0" smtClean="0"/>
-              <a:t>- jstl</a:t>
-            </a:r>
-          </a:p>
-          <a:p>
-            <a:r>
-              <a:rPr lang="en-US" altLang="ko-KR" sz="2000" dirty="0" smtClean="0"/>
-              <a:t>- javax.inject (IOC</a:t>
-            </a:r>
-            <a:r>
-              <a:rPr lang="ko-KR" altLang="en-US" sz="2000" dirty="0" smtClean="0"/>
-              <a:t>컨테이너의 </a:t>
-            </a:r>
-            <a:r>
-              <a:rPr lang="en-US" altLang="ko-KR" sz="2000" dirty="0" smtClean="0"/>
-              <a:t>Bean</a:t>
-            </a:r>
-            <a:r>
-              <a:rPr lang="ko-KR" altLang="en-US" sz="2000" dirty="0" smtClean="0"/>
-              <a:t>들을 외부 </a:t>
-            </a:r>
-            <a:r>
-              <a:rPr lang="en-US" altLang="ko-KR" sz="2000" dirty="0" smtClean="0"/>
-              <a:t>.java</a:t>
-            </a:r>
-            <a:r>
-              <a:rPr lang="ko-KR" altLang="en-US" sz="2000" dirty="0" smtClean="0"/>
-              <a:t>에 </a:t>
-            </a:r>
-            <a:r>
-              <a:rPr lang="en-US" altLang="ko-KR" sz="2000" dirty="0" smtClean="0"/>
-              <a:t>injection lib)</a:t>
-            </a:r>
-          </a:p>
-          <a:p>
-            <a:r>
-              <a:rPr lang="en-US" altLang="ko-KR" sz="2000" dirty="0" smtClean="0"/>
-              <a:t>- ojdbc6 (oracle 11g </a:t>
-            </a:r>
-            <a:r>
-              <a:rPr lang="ko-KR" altLang="en-US" sz="2000" dirty="0" smtClean="0"/>
-              <a:t>드라이버</a:t>
-            </a:r>
-            <a:r>
-              <a:rPr lang="en-US" altLang="ko-KR" sz="2000" dirty="0" smtClean="0"/>
-              <a:t>)</a:t>
-            </a:r>
-          </a:p>
-          <a:p>
-            <a:r>
-              <a:rPr lang="en-US" altLang="ko-KR" sz="2000" dirty="0" smtClean="0"/>
-              <a:t>- json (json lib)</a:t>
-            </a:r>
-          </a:p>
-          <a:p>
-            <a:endParaRPr lang="en-US" altLang="ko-KR" sz="2000" dirty="0" smtClean="0"/>
-          </a:p>
-          <a:p>
-            <a:r>
-              <a:rPr lang="en-US" altLang="ko-KR" sz="2000" dirty="0" smtClean="0"/>
-              <a:t>Js</a:t>
-            </a:r>
-          </a:p>
-          <a:p>
-            <a:r>
-              <a:rPr lang="en-US" altLang="ko-KR" sz="2000" dirty="0" smtClean="0"/>
-              <a:t>- axios.min.js (promise </a:t>
-            </a:r>
-            <a:r>
-              <a:rPr lang="ko-KR" altLang="en-US" sz="2000" dirty="0" smtClean="0"/>
-              <a:t>기반 </a:t>
-            </a:r>
-            <a:r>
-              <a:rPr lang="en-US" altLang="ko-KR" sz="2000" dirty="0" smtClean="0"/>
-              <a:t>ajax</a:t>
-            </a:r>
-            <a:r>
-              <a:rPr lang="ko-KR" altLang="en-US" sz="2000" dirty="0" smtClean="0"/>
-              <a:t> </a:t>
-            </a:r>
-            <a:r>
-              <a:rPr lang="en-US" altLang="ko-KR" sz="2000" dirty="0" smtClean="0"/>
-              <a:t>lib csrf</a:t>
-            </a:r>
-            <a:r>
-              <a:rPr lang="ko-KR" altLang="en-US" sz="2000" dirty="0" smtClean="0"/>
-              <a:t>도 지원</a:t>
-            </a:r>
-            <a:r>
-              <a:rPr lang="en-US" altLang="ko-KR" sz="2000" dirty="0" smtClean="0"/>
-              <a:t>)</a:t>
-            </a:r>
-          </a:p>
-          <a:p>
-            <a:r>
-              <a:rPr lang="en-US" altLang="ko-KR" sz="2000" dirty="0" smtClean="0"/>
-              <a:t>- jquery-3.5.1.min.js (Jquery)</a:t>
-            </a:r>
-          </a:p>
-          <a:p>
-            <a:r>
-              <a:rPr lang="en-US" altLang="ko-KR" sz="2000" dirty="0" smtClean="0"/>
-              <a:t>- bootstrap.min.js (Bootstrap4)</a:t>
-            </a:r>
-          </a:p>
-          <a:p>
-            <a:endParaRPr lang="en-US" altLang="ko-KR" sz="2000" dirty="0" smtClean="0"/>
-          </a:p>
-          <a:p>
-            <a:r>
-              <a:rPr lang="en-US" altLang="ko-KR" sz="2000" dirty="0" smtClean="0"/>
-              <a:t>Css</a:t>
-            </a:r>
-          </a:p>
-          <a:p>
-            <a:r>
-              <a:rPr lang="en-US" altLang="ko-KR" sz="2000" dirty="0" smtClean="0"/>
-              <a:t>- bootstrap.min.css</a:t>
-            </a:r>
-          </a:p>
-          <a:p>
-            <a:endParaRPr lang="ko-KR" altLang="en-US" sz="2000" dirty="0"/>
+              <a:rPr lang="ko-KR" altLang="en-US" sz="2400" dirty="0" smtClean="0"/>
+              <a:t>재사용된 소스나 클론코딩한 소스의 경우 위의 네이밍룰에서 제외한다 프로젝트가 완성되고 시간이 남는다면 리팩토링</a:t>
+            </a:r>
+            <a:endParaRPr lang="ko-KR" altLang="en-US" sz="2400" dirty="0"/>
           </a:p>
         </p:txBody>
       </p:sp>
@@ -5409,11 +5458,7 @@
           <a:p>
             <a:r>
               <a:rPr lang="ko-KR" altLang="en-US" dirty="0" smtClean="0"/>
-              <a:t>적용 </a:t>
-            </a:r>
-            <a:r>
-              <a:rPr lang="en-US" altLang="ko-KR" dirty="0" smtClean="0"/>
-              <a:t>API</a:t>
+              <a:t>적용 라이브러리</a:t>
             </a:r>
             <a:endParaRPr lang="ko-KR" altLang="en-US" dirty="0"/>
           </a:p>
@@ -5432,107 +5477,226 @@
         <p:spPr/>
         <p:txBody>
           <a:bodyPr>
-            <a:normAutofit/>
+            <a:normAutofit fontScale="40000" lnSpcReduction="20000"/>
           </a:bodyPr>
           <a:lstStyle/>
           <a:p>
             <a:r>
-              <a:rPr lang="en-US" altLang="ko-KR" sz="2400" dirty="0" smtClean="0"/>
-              <a:t>- naver search api</a:t>
-            </a:r>
-          </a:p>
-          <a:p>
-            <a:r>
-              <a:rPr lang="en-US" altLang="ko-KR" sz="2400" dirty="0" smtClean="0"/>
-              <a:t>- kakao map api</a:t>
-            </a:r>
-          </a:p>
-          <a:p>
-            <a:r>
-              <a:rPr lang="en-US" altLang="ko-KR" sz="2400" dirty="0" smtClean="0"/>
+              <a:rPr lang="en-US" altLang="ko-KR" sz="3400" dirty="0" smtClean="0"/>
+              <a:t>maven dependency</a:t>
+            </a:r>
+          </a:p>
+          <a:p>
+            <a:r>
+              <a:rPr lang="en-US" altLang="ko-KR" sz="3400" dirty="0" smtClean="0"/>
+              <a:t>- spring-boot-devtools (java</a:t>
+            </a:r>
+            <a:r>
+              <a:rPr lang="ko-KR" altLang="en-US" sz="3400" dirty="0" smtClean="0"/>
+              <a:t>코드등 변경시 서버자동재시작</a:t>
+            </a:r>
+            <a:r>
+              <a:rPr lang="en-US" altLang="ko-KR" sz="3400" dirty="0" smtClean="0"/>
+              <a:t>)</a:t>
+            </a:r>
+          </a:p>
+          <a:p>
+            <a:r>
+              <a:rPr lang="en-US" altLang="ko-KR" sz="3400" dirty="0" smtClean="0"/>
+              <a:t>- mybatis-spring-boot-starter (mybatis)</a:t>
+            </a:r>
+          </a:p>
+          <a:p>
+            <a:r>
+              <a:rPr lang="en-US" altLang="ko-KR" sz="3400" dirty="0" smtClean="0"/>
+              <a:t>- lombok (dto getter/setter</a:t>
+            </a:r>
+            <a:r>
+              <a:rPr lang="ko-KR" altLang="en-US" sz="3400" dirty="0" smtClean="0"/>
+              <a:t>등 자동생성 </a:t>
+            </a:r>
+            <a:r>
+              <a:rPr lang="en-US" altLang="ko-KR" sz="3400" dirty="0" smtClean="0"/>
+              <a:t>lib)</a:t>
+            </a:r>
+          </a:p>
+          <a:p>
+            <a:r>
+              <a:rPr lang="en-US" altLang="ko-KR" sz="3400" dirty="0" smtClean="0"/>
+              <a:t>- tomcat-embed-jasper (jsp </a:t>
+            </a:r>
+            <a:r>
+              <a:rPr lang="ko-KR" altLang="en-US" sz="3400" dirty="0" smtClean="0"/>
+              <a:t>사용 </a:t>
+            </a:r>
+            <a:r>
+              <a:rPr lang="en-US" altLang="ko-KR" sz="3400" dirty="0" smtClean="0"/>
+              <a:t>spring-boot</a:t>
+            </a:r>
+            <a:r>
+              <a:rPr lang="ko-KR" altLang="en-US" sz="3400" dirty="0" smtClean="0"/>
+              <a:t>는 </a:t>
+            </a:r>
+            <a:r>
+              <a:rPr lang="en-US" altLang="ko-KR" sz="3400" dirty="0" smtClean="0"/>
+              <a:t>jsp</a:t>
+            </a:r>
+            <a:r>
+              <a:rPr lang="ko-KR" altLang="en-US" sz="3400" dirty="0" smtClean="0"/>
+              <a:t>를 권장하지않음</a:t>
+            </a:r>
+            <a:r>
+              <a:rPr lang="en-US" altLang="ko-KR" sz="3400" dirty="0" smtClean="0"/>
+              <a:t>)</a:t>
+            </a:r>
+          </a:p>
+          <a:p>
+            <a:r>
+              <a:rPr lang="en-US" altLang="ko-KR" sz="3400" dirty="0" smtClean="0"/>
+              <a:t>- jstl</a:t>
+            </a:r>
+          </a:p>
+          <a:p>
+            <a:r>
+              <a:rPr lang="en-US" altLang="ko-KR" sz="3400" dirty="0" smtClean="0"/>
+              <a:t>- javax.inject (IOC</a:t>
+            </a:r>
+            <a:r>
+              <a:rPr lang="ko-KR" altLang="en-US" sz="3400" dirty="0" smtClean="0"/>
+              <a:t>컨테이너의 </a:t>
+            </a:r>
+            <a:r>
+              <a:rPr lang="en-US" altLang="ko-KR" sz="3400" dirty="0" smtClean="0"/>
+              <a:t>Bean</a:t>
+            </a:r>
+            <a:r>
+              <a:rPr lang="ko-KR" altLang="en-US" sz="3400" dirty="0" smtClean="0"/>
+              <a:t>들을 외부 </a:t>
+            </a:r>
+            <a:r>
+              <a:rPr lang="en-US" altLang="ko-KR" sz="3400" dirty="0" smtClean="0"/>
+              <a:t>.java</a:t>
+            </a:r>
+            <a:r>
+              <a:rPr lang="ko-KR" altLang="en-US" sz="3400" dirty="0" smtClean="0"/>
+              <a:t>에 </a:t>
+            </a:r>
+            <a:r>
+              <a:rPr lang="en-US" altLang="ko-KR" sz="3400" dirty="0" smtClean="0"/>
+              <a:t>injection lib)</a:t>
+            </a:r>
+          </a:p>
+          <a:p>
+            <a:r>
+              <a:rPr lang="en-US" altLang="ko-KR" sz="3400" dirty="0" smtClean="0"/>
+              <a:t>- ojdbc6 (oracle 11g </a:t>
+            </a:r>
+            <a:r>
+              <a:rPr lang="ko-KR" altLang="en-US" sz="3400" dirty="0" smtClean="0"/>
+              <a:t>드라이버</a:t>
+            </a:r>
+            <a:r>
+              <a:rPr lang="en-US" altLang="ko-KR" sz="3400" dirty="0" smtClean="0"/>
+              <a:t>)</a:t>
+            </a:r>
+          </a:p>
+          <a:p>
+            <a:r>
+              <a:rPr lang="en-US" altLang="ko-KR" sz="3400" dirty="0" smtClean="0"/>
+              <a:t>- json (json lib)</a:t>
+            </a:r>
+          </a:p>
+          <a:p>
+            <a:endParaRPr lang="en-US" altLang="ko-KR" sz="3400" dirty="0" smtClean="0"/>
+          </a:p>
+          <a:p>
+            <a:r>
+              <a:rPr lang="en-US" altLang="ko-KR" sz="3400" dirty="0" smtClean="0"/>
+              <a:t>Js</a:t>
+            </a:r>
+          </a:p>
+          <a:p>
+            <a:r>
+              <a:rPr lang="en-US" altLang="ko-KR" sz="3400" dirty="0" smtClean="0"/>
+              <a:t>- axios.min.js (promise </a:t>
+            </a:r>
+            <a:r>
+              <a:rPr lang="ko-KR" altLang="en-US" sz="3400" dirty="0" smtClean="0"/>
+              <a:t>기반 </a:t>
+            </a:r>
+            <a:r>
+              <a:rPr lang="en-US" altLang="ko-KR" sz="3400" dirty="0" smtClean="0"/>
+              <a:t>ajax</a:t>
+            </a:r>
+            <a:r>
+              <a:rPr lang="ko-KR" altLang="en-US" sz="3400" dirty="0" smtClean="0"/>
+              <a:t> </a:t>
+            </a:r>
+            <a:r>
+              <a:rPr lang="en-US" altLang="ko-KR" sz="3400" dirty="0" smtClean="0"/>
+              <a:t>lib csrf</a:t>
+            </a:r>
+            <a:r>
+              <a:rPr lang="ko-KR" altLang="en-US" sz="3400" dirty="0" smtClean="0"/>
+              <a:t>도 지원</a:t>
+            </a:r>
+            <a:r>
+              <a:rPr lang="en-US" altLang="ko-KR" sz="3400" dirty="0" smtClean="0"/>
+              <a:t>)</a:t>
+            </a:r>
+          </a:p>
+          <a:p>
+            <a:r>
+              <a:rPr lang="en-US" altLang="ko-KR" sz="3400" dirty="0" smtClean="0"/>
+              <a:t>- jquery-3.5.1.min.js (Jquery)</a:t>
+            </a:r>
+          </a:p>
+          <a:p>
+            <a:r>
+              <a:rPr lang="en-US" altLang="ko-KR" sz="3400" dirty="0" smtClean="0"/>
+              <a:t>- bootstrap.min.js (Bootstrap4</a:t>
+            </a:r>
+            <a:r>
+              <a:rPr lang="en-US" altLang="ko-KR" sz="3400" dirty="0" smtClean="0"/>
+              <a:t>)</a:t>
+            </a:r>
+          </a:p>
+          <a:p>
+            <a:r>
+              <a:rPr lang="en-US" altLang="ko-KR" sz="3400" dirty="0" smtClean="0"/>
               <a:t>- </a:t>
             </a:r>
             <a:r>
-              <a:rPr lang="en-US" altLang="ko-KR" sz="2400" dirty="0" smtClean="0">
-                <a:hlinkClick r:id="rId2"/>
-              </a:rPr>
-              <a:t>http://api.openweathermap.org</a:t>
-            </a:r>
-            <a:r>
-              <a:rPr lang="en-US" altLang="ko-KR" sz="2400" dirty="0" smtClean="0"/>
-              <a:t>                                     (Current Weather Data API) </a:t>
-            </a:r>
-            <a:r>
-              <a:rPr lang="ko-KR" altLang="en-US" sz="2400" dirty="0" smtClean="0"/>
-              <a:t>현재 날씨</a:t>
-            </a:r>
-            <a:endParaRPr lang="en-US" altLang="ko-KR" sz="2400" dirty="0" smtClean="0"/>
-          </a:p>
-          <a:p>
-            <a:r>
-              <a:rPr lang="en-US" altLang="ko-KR" sz="2400" dirty="0" smtClean="0"/>
-              <a:t>- </a:t>
-            </a:r>
-            <a:r>
-              <a:rPr lang="ko-KR" altLang="en-US" sz="2400" dirty="0" smtClean="0"/>
-              <a:t>도로명 주소 팝업</a:t>
-            </a:r>
-            <a:r>
-              <a:rPr lang="en-US" altLang="ko-KR" sz="2400" dirty="0" smtClean="0"/>
-              <a:t>API (juso.go.kr)</a:t>
-            </a:r>
-          </a:p>
-          <a:p>
-            <a:r>
-              <a:rPr lang="en-US" altLang="ko-KR" sz="2400" dirty="0" smtClean="0"/>
-              <a:t>- </a:t>
-            </a:r>
-            <a:r>
-              <a:rPr lang="ko-KR" altLang="en-US" sz="2400" dirty="0" smtClean="0"/>
-              <a:t>보건복지부</a:t>
-            </a:r>
-            <a:r>
-              <a:rPr lang="en-US" altLang="ko-KR" sz="2400" dirty="0" smtClean="0"/>
-              <a:t>_</a:t>
-            </a:r>
-            <a:r>
-              <a:rPr lang="ko-KR" altLang="en-US" sz="2400" dirty="0" smtClean="0"/>
-              <a:t>코로나</a:t>
-            </a:r>
-            <a:r>
-              <a:rPr lang="en-US" altLang="ko-KR" sz="2400" dirty="0" smtClean="0"/>
-              <a:t>19 </a:t>
-            </a:r>
-            <a:r>
-              <a:rPr lang="ko-KR" altLang="en-US" sz="2400" dirty="0" smtClean="0"/>
-              <a:t>감염</a:t>
-            </a:r>
-            <a:r>
-              <a:rPr lang="en-US" altLang="ko-KR" sz="2400" dirty="0" smtClean="0"/>
-              <a:t>_</a:t>
-            </a:r>
-            <a:r>
-              <a:rPr lang="ko-KR" altLang="en-US" sz="2400" dirty="0" smtClean="0"/>
-              <a:t>현황 </a:t>
-            </a:r>
-            <a:r>
-              <a:rPr lang="en-US" altLang="ko-KR" sz="2400" dirty="0" smtClean="0"/>
-              <a:t>API                               (</a:t>
-            </a:r>
-            <a:r>
-              <a:rPr lang="ko-KR" altLang="en-US" sz="2400" dirty="0" smtClean="0"/>
-              <a:t>행정안전부 공공데이터 포털 </a:t>
-            </a:r>
-            <a:r>
-              <a:rPr lang="en-US" altLang="ko-KR" sz="2400" dirty="0" smtClean="0">
-                <a:hlinkClick r:id="rId3"/>
-              </a:rPr>
-              <a:t>http://www.data.go.kr</a:t>
-            </a:r>
-            <a:r>
-              <a:rPr lang="en-US" altLang="ko-KR" sz="2400" dirty="0" smtClean="0"/>
+              <a:rPr lang="en-US" altLang="ko-KR" sz="3400" dirty="0" smtClean="0"/>
+              <a:t>summernote-0.8.18 (</a:t>
+            </a:r>
+            <a:r>
+              <a:rPr lang="ko-KR" altLang="en-US" sz="3400" dirty="0" smtClean="0"/>
+              <a:t>텍스트에디터</a:t>
+            </a:r>
+            <a:r>
+              <a:rPr lang="en-US" altLang="ko-KR" sz="3400" dirty="0" smtClean="0"/>
               <a:t>)</a:t>
             </a:r>
+            <a:endParaRPr lang="en-US" altLang="ko-KR" sz="3400" dirty="0" smtClean="0"/>
+          </a:p>
+          <a:p>
+            <a:endParaRPr lang="en-US" altLang="ko-KR" sz="3400" dirty="0" smtClean="0"/>
+          </a:p>
+          <a:p>
+            <a:r>
+              <a:rPr lang="en-US" altLang="ko-KR" sz="3400" dirty="0" smtClean="0"/>
+              <a:t>Css</a:t>
+            </a:r>
+          </a:p>
+          <a:p>
+            <a:r>
+              <a:rPr lang="en-US" altLang="ko-KR" sz="3400" dirty="0" smtClean="0"/>
+              <a:t>- bootstrap.min.css</a:t>
+            </a:r>
+          </a:p>
+          <a:p>
+            <a:endParaRPr lang="ko-KR" altLang="en-US" sz="2000" dirty="0"/>
           </a:p>
         </p:txBody>
       </p:sp>
@@ -5578,7 +5742,11 @@
           <a:p>
             <a:r>
               <a:rPr lang="ko-KR" altLang="en-US" dirty="0" smtClean="0"/>
-              <a:t>구현 범위</a:t>
+              <a:t>적용 </a:t>
+            </a:r>
+            <a:r>
+              <a:rPr lang="en-US" altLang="ko-KR" dirty="0" smtClean="0"/>
+              <a:t>API</a:t>
             </a:r>
             <a:endParaRPr lang="ko-KR" altLang="en-US" dirty="0"/>
           </a:p>
@@ -5603,104 +5771,96 @@
           <a:p>
             <a:r>
               <a:rPr lang="en-US" altLang="ko-KR" sz="2400" dirty="0" smtClean="0"/>
-              <a:t>1</a:t>
+              <a:t>- naver search api</a:t>
+            </a:r>
+          </a:p>
+          <a:p>
+            <a:r>
+              <a:rPr lang="en-US" altLang="ko-KR" sz="2400" dirty="0" smtClean="0"/>
+              <a:t>- kakao map api</a:t>
+            </a:r>
+          </a:p>
+          <a:p>
+            <a:r>
+              <a:rPr lang="en-US" altLang="ko-KR" sz="2400" dirty="0" smtClean="0"/>
+              <a:t>- </a:t>
+            </a:r>
+            <a:r>
+              <a:rPr lang="en-US" altLang="ko-KR" sz="2400" dirty="0" smtClean="0">
+                <a:hlinkClick r:id="rId2"/>
+              </a:rPr>
+              <a:t>http://api.openweathermap.org</a:t>
+            </a:r>
+            <a:r>
+              <a:rPr lang="en-US" altLang="ko-KR" sz="2400" dirty="0" smtClean="0"/>
+              <a:t>                                     (Current Weather Data API) </a:t>
             </a:r>
             <a:r>
               <a:rPr lang="ko-KR" altLang="en-US" sz="2400" dirty="0" smtClean="0"/>
-              <a:t>차 목표는 쇼핑몰을 완벽구현이 목표</a:t>
+              <a:t>현재 날씨</a:t>
             </a:r>
             <a:endParaRPr lang="en-US" altLang="ko-KR" sz="2400" dirty="0" smtClean="0"/>
           </a:p>
           <a:p>
             <a:r>
+              <a:rPr lang="en-US" altLang="ko-KR" sz="2400" dirty="0" smtClean="0"/>
+              <a:t>- </a:t>
+            </a:r>
+            <a:r>
               <a:rPr lang="ko-KR" altLang="en-US" sz="2400" dirty="0" smtClean="0"/>
-              <a:t>쇼핑몰 완성 후 개인별로 만들고 싶은 서비스를 완성해서</a:t>
+              <a:t>도로명 주소 팝업</a:t>
             </a:r>
             <a:r>
               <a:rPr lang="en-US" altLang="ko-KR" sz="2400" dirty="0" smtClean="0"/>
-              <a:t> </a:t>
+              <a:t>API (juso.go.kr)</a:t>
+            </a:r>
+          </a:p>
+          <a:p>
+            <a:r>
+              <a:rPr lang="en-US" altLang="ko-KR" sz="2400" dirty="0" smtClean="0"/>
+              <a:t>- </a:t>
             </a:r>
             <a:r>
               <a:rPr lang="ko-KR" altLang="en-US" sz="2400" dirty="0" smtClean="0"/>
-              <a:t>포털사이트에 메뉴로 추가</a:t>
-            </a:r>
-            <a:endParaRPr lang="en-US" altLang="ko-KR" sz="2400" dirty="0" smtClean="0"/>
-          </a:p>
-          <a:p>
+              <a:t>보건복지부</a:t>
+            </a:r>
+            <a:r>
+              <a:rPr lang="en-US" altLang="ko-KR" sz="2400" dirty="0" smtClean="0"/>
+              <a:t>_</a:t>
+            </a:r>
             <a:r>
               <a:rPr lang="ko-KR" altLang="en-US" sz="2400" dirty="0" smtClean="0"/>
-              <a:t>쇼핑몰의 경우 총 </a:t>
+              <a:t>코로나</a:t>
             </a:r>
             <a:r>
               <a:rPr lang="en-US" altLang="ko-KR" sz="2400" dirty="0" smtClean="0"/>
-              <a:t>31</a:t>
+              <a:t>19 </a:t>
             </a:r>
             <a:r>
               <a:rPr lang="ko-KR" altLang="en-US" sz="2400" dirty="0" smtClean="0"/>
-              <a:t>개의 테이블중 팀장이 작업하는 </a:t>
+              <a:t>감염</a:t>
             </a:r>
             <a:r>
               <a:rPr lang="en-US" altLang="ko-KR" sz="2400" dirty="0" smtClean="0"/>
-              <a:t>10</a:t>
+              <a:t>_</a:t>
             </a:r>
             <a:r>
               <a:rPr lang="ko-KR" altLang="en-US" sz="2400" dirty="0" smtClean="0"/>
-              <a:t>개의 테이블을 제외한 나머지 </a:t>
+              <a:t>현황 </a:t>
             </a:r>
             <a:r>
               <a:rPr lang="en-US" altLang="ko-KR" sz="2400" dirty="0" smtClean="0"/>
-              <a:t>21</a:t>
+              <a:t>API                               (</a:t>
             </a:r>
             <a:r>
               <a:rPr lang="ko-KR" altLang="en-US" sz="2400" dirty="0" smtClean="0"/>
-              <a:t>개를 팀원 개인당 </a:t>
-            </a:r>
-            <a:r>
-              <a:rPr lang="en-US" altLang="ko-KR" sz="2400" dirty="0" smtClean="0"/>
-              <a:t>3.5</a:t>
-            </a:r>
-            <a:r>
-              <a:rPr lang="ko-KR" altLang="en-US" sz="2400" dirty="0" smtClean="0"/>
-              <a:t>개의 테이블을 할당 받아서 </a:t>
-            </a:r>
-            <a:r>
-              <a:rPr lang="en-US" altLang="ko-KR" sz="2400" dirty="0" smtClean="0"/>
-              <a:t>CRUD/MVC </a:t>
-            </a:r>
-            <a:r>
-              <a:rPr lang="ko-KR" altLang="en-US" sz="2400" dirty="0" smtClean="0"/>
-              <a:t>모두 구현</a:t>
-            </a:r>
-            <a:endParaRPr lang="en-US" altLang="ko-KR" sz="2400" dirty="0" smtClean="0"/>
-          </a:p>
-          <a:p>
-            <a:r>
-              <a:rPr lang="ko-KR" altLang="en-US" sz="2400" dirty="0" smtClean="0"/>
-              <a:t>부연설명 </a:t>
-            </a:r>
-            <a:r>
-              <a:rPr lang="en-US" altLang="ko-KR" sz="2400" dirty="0" smtClean="0"/>
-              <a:t>(</a:t>
-            </a:r>
-            <a:r>
-              <a:rPr lang="ko-KR" altLang="en-US" sz="2400" dirty="0" smtClean="0"/>
-              <a:t>총 </a:t>
-            </a:r>
-            <a:r>
-              <a:rPr lang="en-US" altLang="ko-KR" sz="2400" dirty="0" smtClean="0"/>
-              <a:t>31</a:t>
-            </a:r>
-            <a:r>
-              <a:rPr lang="ko-KR" altLang="en-US" sz="2400" dirty="0" smtClean="0"/>
-              <a:t>개의 테이블을 팀원들 모두가 균등하게 배분하지 않고 팀장이 </a:t>
-            </a:r>
-            <a:r>
-              <a:rPr lang="en-US" altLang="ko-KR" sz="2400" dirty="0" smtClean="0"/>
-              <a:t>10</a:t>
-            </a:r>
-            <a:r>
-              <a:rPr lang="ko-KR" altLang="en-US" sz="2400" dirty="0" smtClean="0"/>
-              <a:t>개의 테이블을 작업하는 이유는 작업 난이도 그리고 기본 상품쪽이 선구현 되어야 나머지 기능들을 유연하게 연결할 수 있기때문</a:t>
+              <a:t>행정안전부 공공데이터 포털 </a:t>
+            </a:r>
+            <a:r>
+              <a:rPr lang="en-US" altLang="ko-KR" sz="2400" dirty="0" smtClean="0">
+                <a:hlinkClick r:id="rId3"/>
+              </a:rPr>
+              <a:t>http://www.data.go.kr</a:t>
             </a:r>
             <a:r>
               <a:rPr lang="en-US" altLang="ko-KR" sz="2400" dirty="0" smtClean="0"/>
@@ -5751,15 +5911,7 @@
           <a:p>
             <a:r>
               <a:rPr lang="ko-KR" altLang="en-US" dirty="0" smtClean="0"/>
-              <a:t>개인별 구현 범위 </a:t>
-            </a:r>
-            <a:r>
-              <a:rPr lang="en-US" altLang="ko-KR" dirty="0" smtClean="0"/>
-              <a:t>- </a:t>
-            </a:r>
-            <a:r>
-              <a:rPr lang="ko-KR" altLang="en-US" dirty="0" smtClean="0"/>
-              <a:t>이승준</a:t>
+              <a:t>구현 범위</a:t>
             </a:r>
             <a:endParaRPr lang="ko-KR" altLang="en-US" dirty="0"/>
           </a:p>
@@ -5778,180 +5930,115 @@
         <p:spPr/>
         <p:txBody>
           <a:bodyPr>
-            <a:normAutofit fontScale="92500" lnSpcReduction="10000"/>
+            <a:normAutofit/>
           </a:bodyPr>
           <a:lstStyle/>
           <a:p>
-            <a:r>
-              <a:rPr lang="ko-KR" altLang="en-US" sz="2400" dirty="0" smtClean="0"/>
-              <a:t>프로젝트  기본셋팅 </a:t>
-            </a:r>
-            <a:r>
-              <a:rPr lang="en-US" altLang="ko-KR" sz="2400" dirty="0" smtClean="0"/>
-              <a:t>(spring-boot)</a:t>
-            </a:r>
-          </a:p>
-          <a:p>
-            <a:r>
-              <a:rPr lang="ko-KR" altLang="en-US" sz="2400" dirty="0" smtClean="0"/>
-              <a:t>폴더 기본구조 설계 </a:t>
-            </a:r>
-            <a:r>
-              <a:rPr lang="en-US" altLang="ko-KR" sz="2400" dirty="0" smtClean="0"/>
-              <a:t>(M : dto/mapper, V : jsp/sitemesh template/js/css, C : Controller)</a:t>
-            </a:r>
-          </a:p>
-          <a:p>
-            <a:r>
-              <a:rPr lang="en-US" altLang="ko-KR" sz="2400" dirty="0" smtClean="0"/>
-              <a:t>DB</a:t>
-            </a:r>
-            <a:r>
-              <a:rPr lang="ko-KR" altLang="en-US" sz="2400" dirty="0" smtClean="0"/>
-              <a:t>모델링</a:t>
-            </a:r>
-            <a:endParaRPr lang="en-US" altLang="ko-KR" sz="2400" dirty="0" smtClean="0"/>
-          </a:p>
-          <a:p>
-            <a:r>
-              <a:rPr lang="ko-KR" altLang="en-US" sz="2400" dirty="0" smtClean="0"/>
-              <a:t>서비스 </a:t>
-            </a:r>
-            <a:r>
-              <a:rPr lang="en-US" altLang="ko-KR" sz="2400" dirty="0" smtClean="0"/>
-              <a:t>.java </a:t>
-            </a:r>
-            <a:r>
-              <a:rPr lang="ko-KR" altLang="en-US" sz="2400" dirty="0" smtClean="0"/>
-              <a:t>클래스들의 </a:t>
-            </a:r>
-            <a:r>
-              <a:rPr lang="en-US" altLang="ko-KR" sz="2400" dirty="0" smtClean="0"/>
-              <a:t>interface</a:t>
-            </a:r>
-            <a:r>
-              <a:rPr lang="ko-KR" altLang="en-US" sz="2400" dirty="0" smtClean="0"/>
-              <a:t>작성 </a:t>
-            </a:r>
             <a:r>
               <a:rPr lang="en-US" altLang="ko-KR" sz="2400" dirty="0" smtClean="0"/>
               <a:t>1</a:t>
             </a:r>
             <a:r>
               <a:rPr lang="ko-KR" altLang="en-US" sz="2400" dirty="0" smtClean="0"/>
-              <a:t>차 목표인 쇼핑몰이 공동 작업이기 때문에 테이블별로 기능이 덜 구현되었을때 흐름이 끊기는것을 방지하기 위해서 기능 구현전에 </a:t>
+              <a:t>차 목표는 쇼핑몰을 완벽구현이 목표</a:t>
+            </a:r>
+            <a:endParaRPr lang="en-US" altLang="ko-KR" sz="2400" dirty="0" smtClean="0"/>
+          </a:p>
+          <a:p>
+            <a:r>
+              <a:rPr lang="ko-KR" altLang="en-US" sz="2400" dirty="0" smtClean="0"/>
+              <a:t>쇼핑몰 완성 후 개인별로 만들고 싶은 서비스를 완성해서</a:t>
             </a:r>
             <a:r>
               <a:rPr lang="en-US" altLang="ko-KR" sz="2400" dirty="0" smtClean="0"/>
-              <a:t>interface</a:t>
+              <a:t> </a:t>
             </a:r>
             <a:r>
               <a:rPr lang="ko-KR" altLang="en-US" sz="2400" dirty="0" smtClean="0"/>
-              <a:t>로 기능에 필요한 메소드를 모두 정의해서 개인별 작업에서 다른 테이블의 기능이 </a:t>
-            </a:r>
+              <a:t>포털사이트에 메뉴로 추가</a:t>
+            </a:r>
+            <a:endParaRPr lang="en-US" altLang="ko-KR" sz="2400" dirty="0" smtClean="0"/>
+          </a:p>
+          <a:p>
             <a:r>
               <a:rPr lang="ko-KR" altLang="en-US" sz="2400" dirty="0" smtClean="0"/>
-              <a:t>필요할시 </a:t>
+              <a:t>쇼핑몰의 경우 총 </a:t>
+            </a:r>
+            <a:r>
+              <a:rPr lang="en-US" altLang="ko-KR" sz="2400" dirty="0" smtClean="0"/>
+              <a:t>31</a:t>
             </a:r>
             <a:r>
               <a:rPr lang="ko-KR" altLang="en-US" sz="2400" dirty="0" smtClean="0"/>
-              <a:t>메서드를 호출하게 유도</a:t>
+              <a:t>개의 테이블중 팀장이 작업하는 </a:t>
+            </a:r>
+            <a:r>
+              <a:rPr lang="en-US" altLang="ko-KR" sz="2400" dirty="0" smtClean="0"/>
+              <a:t>10</a:t>
+            </a:r>
+            <a:r>
+              <a:rPr lang="ko-KR" altLang="en-US" sz="2400" dirty="0" smtClean="0"/>
+              <a:t>개의 테이블을 제외한 나머지 </a:t>
+            </a:r>
+            <a:r>
+              <a:rPr lang="en-US" altLang="ko-KR" sz="2400" dirty="0" smtClean="0"/>
+              <a:t>21</a:t>
+            </a:r>
+            <a:r>
+              <a:rPr lang="ko-KR" altLang="en-US" sz="2400" dirty="0" smtClean="0"/>
+              <a:t>개를 팀원 개인당 </a:t>
+            </a:r>
+            <a:r>
+              <a:rPr lang="en-US" altLang="ko-KR" sz="2400" dirty="0" smtClean="0"/>
+              <a:t>3.5</a:t>
+            </a:r>
+            <a:r>
+              <a:rPr lang="ko-KR" altLang="en-US" sz="2400" dirty="0" smtClean="0"/>
+              <a:t>개의 테이블을 할당 받아서 </a:t>
+            </a:r>
+            <a:r>
+              <a:rPr lang="en-US" altLang="ko-KR" sz="2400" dirty="0" smtClean="0"/>
+              <a:t>CRUD/MVC </a:t>
+            </a:r>
+            <a:r>
+              <a:rPr lang="ko-KR" altLang="en-US" sz="2400" dirty="0" smtClean="0"/>
+              <a:t>모두 구현</a:t>
             </a:r>
             <a:endParaRPr lang="en-US" altLang="ko-KR" sz="2400" dirty="0" smtClean="0"/>
           </a:p>
           <a:p>
             <a:r>
-              <a:rPr lang="ko-KR" altLang="en-US" dirty="0" smtClean="0"/>
-              <a:t>회원</a:t>
-            </a:r>
-            <a:r>
-              <a:rPr lang="en-US" altLang="ko-KR" dirty="0" smtClean="0"/>
-              <a:t>/</a:t>
-            </a:r>
-            <a:r>
-              <a:rPr lang="ko-KR" altLang="en-US" dirty="0" smtClean="0"/>
-              <a:t>상품</a:t>
-            </a:r>
-            <a:r>
-              <a:rPr lang="en-US" altLang="ko-KR" dirty="0" smtClean="0"/>
-              <a:t>/</a:t>
-            </a:r>
-            <a:r>
-              <a:rPr lang="ko-KR" altLang="en-US" dirty="0" smtClean="0"/>
-              <a:t>상품설명</a:t>
-            </a:r>
-            <a:r>
-              <a:rPr lang="en-US" altLang="ko-KR" dirty="0" smtClean="0"/>
-              <a:t>/</a:t>
-            </a:r>
-            <a:r>
-              <a:rPr lang="ko-KR" altLang="en-US" dirty="0" smtClean="0"/>
-              <a:t>상품이미지</a:t>
-            </a:r>
-            <a:r>
-              <a:rPr lang="en-US" altLang="ko-KR" dirty="0" smtClean="0"/>
-              <a:t>/</a:t>
-            </a:r>
-            <a:r>
-              <a:rPr lang="ko-KR" altLang="en-US" dirty="0" smtClean="0"/>
-              <a:t>상품문의</a:t>
-            </a:r>
-            <a:r>
-              <a:rPr lang="en-US" altLang="ko-KR" dirty="0" smtClean="0"/>
-              <a:t>/</a:t>
-            </a:r>
-            <a:r>
-              <a:rPr lang="ko-KR" altLang="en-US" dirty="0" smtClean="0"/>
-              <a:t>상품옵션</a:t>
-            </a:r>
-            <a:r>
-              <a:rPr lang="en-US" altLang="ko-KR" dirty="0" smtClean="0"/>
-              <a:t>/</a:t>
-            </a:r>
-            <a:r>
-              <a:rPr lang="ko-KR" altLang="en-US" dirty="0" smtClean="0"/>
-              <a:t>상품후기</a:t>
-            </a:r>
-            <a:r>
-              <a:rPr lang="en-US" altLang="ko-KR" dirty="0" smtClean="0"/>
-              <a:t>/</a:t>
-            </a:r>
-            <a:r>
-              <a:rPr lang="ko-KR" altLang="en-US" dirty="0" smtClean="0"/>
-              <a:t>카테고리</a:t>
-            </a:r>
-            <a:r>
-              <a:rPr lang="en-US" altLang="ko-KR" dirty="0" smtClean="0"/>
-              <a:t>/</a:t>
-            </a:r>
-            <a:r>
-              <a:rPr lang="ko-KR" altLang="en-US" dirty="0" smtClean="0"/>
-              <a:t>추천</a:t>
-            </a:r>
-            <a:r>
-              <a:rPr lang="en-US" altLang="ko-KR" dirty="0" smtClean="0"/>
-              <a:t>/</a:t>
-            </a:r>
-            <a:r>
-              <a:rPr lang="ko-KR" altLang="en-US" dirty="0" smtClean="0"/>
-              <a:t>등급 기능 </a:t>
-            </a:r>
-            <a:r>
-              <a:rPr lang="ko-KR" altLang="en-US" dirty="0" smtClean="0"/>
-              <a:t>구현</a:t>
-            </a:r>
-            <a:endParaRPr lang="en-US" altLang="ko-KR" dirty="0" smtClean="0"/>
-          </a:p>
-          <a:p>
-            <a:r>
-              <a:rPr lang="en-US" altLang="ko-KR" dirty="0" smtClean="0"/>
-              <a:t>Javascript</a:t>
-            </a:r>
-            <a:r>
-              <a:rPr lang="ko-KR" altLang="en-US" dirty="0" smtClean="0"/>
-              <a:t>로 만든 달력</a:t>
-            </a:r>
-            <a:endParaRPr lang="en-US" altLang="ko-KR" dirty="0" smtClean="0"/>
+              <a:rPr lang="ko-KR" altLang="en-US" sz="2400" dirty="0" smtClean="0"/>
+              <a:t>부연설명 </a:t>
+            </a:r>
+            <a:r>
+              <a:rPr lang="en-US" altLang="ko-KR" sz="2400" dirty="0" smtClean="0"/>
+              <a:t>(</a:t>
+            </a:r>
+            <a:r>
+              <a:rPr lang="ko-KR" altLang="en-US" sz="2400" dirty="0" smtClean="0"/>
+              <a:t>총 </a:t>
+            </a:r>
+            <a:r>
+              <a:rPr lang="en-US" altLang="ko-KR" sz="2400" dirty="0" smtClean="0"/>
+              <a:t>31</a:t>
+            </a:r>
+            <a:r>
+              <a:rPr lang="ko-KR" altLang="en-US" sz="2400" dirty="0" smtClean="0"/>
+              <a:t>개의 테이블을 팀원들 모두가 균등하게 배분하지 않고 팀장이 </a:t>
+            </a:r>
+            <a:r>
+              <a:rPr lang="en-US" altLang="ko-KR" sz="2400" dirty="0" smtClean="0"/>
+              <a:t>10</a:t>
+            </a:r>
+            <a:r>
+              <a:rPr lang="ko-KR" altLang="en-US" sz="2400" dirty="0" smtClean="0"/>
+              <a:t>개의 테이블을 작업하는 이유는 작업 난이도 그리고 기본 상품쪽이 선구현 되어야 나머지 기능들을 유연하게 연결할 수 있기때문</a:t>
+            </a:r>
+            <a:r>
+              <a:rPr lang="en-US" altLang="ko-KR" sz="2400" dirty="0" smtClean="0"/>
+              <a:t>)</a:t>
+            </a:r>
           </a:p>
         </p:txBody>
       </p:sp>

--- a/src/main/info/1팀 2차 프로젝트(spring-boot).pptx
+++ b/src/main/info/1팀 2차 프로젝트(spring-boot).pptx
@@ -296,7 +296,7 @@
             <a:fld id="{00602777-EDDD-4E1C-9A25-53AA0F22EDF3}" type="datetimeFigureOut">
               <a:rPr lang="ko-KR" altLang="en-US" smtClean="0"/>
               <a:pPr/>
-              <a:t>2021-02-22</a:t>
+              <a:t>2021-02-28</a:t>
             </a:fld>
             <a:endParaRPr lang="ko-KR" altLang="en-US"/>
           </a:p>
@@ -463,7 +463,7 @@
             <a:fld id="{00602777-EDDD-4E1C-9A25-53AA0F22EDF3}" type="datetimeFigureOut">
               <a:rPr lang="ko-KR" altLang="en-US" smtClean="0"/>
               <a:pPr/>
-              <a:t>2021-02-22</a:t>
+              <a:t>2021-02-28</a:t>
             </a:fld>
             <a:endParaRPr lang="ko-KR" altLang="en-US"/>
           </a:p>
@@ -640,7 +640,7 @@
             <a:fld id="{00602777-EDDD-4E1C-9A25-53AA0F22EDF3}" type="datetimeFigureOut">
               <a:rPr lang="ko-KR" altLang="en-US" smtClean="0"/>
               <a:pPr/>
-              <a:t>2021-02-22</a:t>
+              <a:t>2021-02-28</a:t>
             </a:fld>
             <a:endParaRPr lang="ko-KR" altLang="en-US"/>
           </a:p>
@@ -807,7 +807,7 @@
             <a:fld id="{00602777-EDDD-4E1C-9A25-53AA0F22EDF3}" type="datetimeFigureOut">
               <a:rPr lang="ko-KR" altLang="en-US" smtClean="0"/>
               <a:pPr/>
-              <a:t>2021-02-22</a:t>
+              <a:t>2021-02-28</a:t>
             </a:fld>
             <a:endParaRPr lang="ko-KR" altLang="en-US"/>
           </a:p>
@@ -1051,7 +1051,7 @@
             <a:fld id="{00602777-EDDD-4E1C-9A25-53AA0F22EDF3}" type="datetimeFigureOut">
               <a:rPr lang="ko-KR" altLang="en-US" smtClean="0"/>
               <a:pPr/>
-              <a:t>2021-02-22</a:t>
+              <a:t>2021-02-28</a:t>
             </a:fld>
             <a:endParaRPr lang="ko-KR" altLang="en-US"/>
           </a:p>
@@ -1317,7 +1317,7 @@
             <a:fld id="{00602777-EDDD-4E1C-9A25-53AA0F22EDF3}" type="datetimeFigureOut">
               <a:rPr lang="ko-KR" altLang="en-US" smtClean="0"/>
               <a:pPr/>
-              <a:t>2021-02-22</a:t>
+              <a:t>2021-02-28</a:t>
             </a:fld>
             <a:endParaRPr lang="ko-KR" altLang="en-US"/>
           </a:p>
@@ -1697,7 +1697,7 @@
             <a:fld id="{00602777-EDDD-4E1C-9A25-53AA0F22EDF3}" type="datetimeFigureOut">
               <a:rPr lang="ko-KR" altLang="en-US" smtClean="0"/>
               <a:pPr/>
-              <a:t>2021-02-22</a:t>
+              <a:t>2021-02-28</a:t>
             </a:fld>
             <a:endParaRPr lang="ko-KR" altLang="en-US"/>
           </a:p>
@@ -1849,7 +1849,7 @@
             <a:fld id="{00602777-EDDD-4E1C-9A25-53AA0F22EDF3}" type="datetimeFigureOut">
               <a:rPr lang="ko-KR" altLang="en-US" smtClean="0"/>
               <a:pPr/>
-              <a:t>2021-02-22</a:t>
+              <a:t>2021-02-28</a:t>
             </a:fld>
             <a:endParaRPr lang="ko-KR" altLang="en-US"/>
           </a:p>
@@ -1941,7 +1941,7 @@
             <a:fld id="{00602777-EDDD-4E1C-9A25-53AA0F22EDF3}" type="datetimeFigureOut">
               <a:rPr lang="ko-KR" altLang="en-US" smtClean="0"/>
               <a:pPr/>
-              <a:t>2021-02-22</a:t>
+              <a:t>2021-02-28</a:t>
             </a:fld>
             <a:endParaRPr lang="ko-KR" altLang="en-US"/>
           </a:p>
@@ -2204,7 +2204,7 @@
             <a:fld id="{00602777-EDDD-4E1C-9A25-53AA0F22EDF3}" type="datetimeFigureOut">
               <a:rPr lang="ko-KR" altLang="en-US" smtClean="0"/>
               <a:pPr/>
-              <a:t>2021-02-22</a:t>
+              <a:t>2021-02-28</a:t>
             </a:fld>
             <a:endParaRPr lang="ko-KR" altLang="en-US"/>
           </a:p>
@@ -2494,7 +2494,7 @@
             <a:fld id="{00602777-EDDD-4E1C-9A25-53AA0F22EDF3}" type="datetimeFigureOut">
               <a:rPr lang="ko-KR" altLang="en-US" smtClean="0"/>
               <a:pPr/>
-              <a:t>2021-02-22</a:t>
+              <a:t>2021-02-28</a:t>
             </a:fld>
             <a:endParaRPr lang="ko-KR" altLang="en-US"/>
           </a:p>
@@ -3267,7 +3267,7 @@
             <a:fld id="{00602777-EDDD-4E1C-9A25-53AA0F22EDF3}" type="datetimeFigureOut">
               <a:rPr lang="ko-KR" altLang="en-US" smtClean="0"/>
               <a:pPr/>
-              <a:t>2021-02-22</a:t>
+              <a:t>2021-02-28</a:t>
             </a:fld>
             <a:endParaRPr lang="ko-KR" altLang="en-US"/>
           </a:p>
@@ -5477,13 +5477,32 @@
         <p:spPr/>
         <p:txBody>
           <a:bodyPr>
-            <a:normAutofit fontScale="40000" lnSpcReduction="20000"/>
+            <a:normAutofit fontScale="32500" lnSpcReduction="20000"/>
           </a:bodyPr>
           <a:lstStyle/>
           <a:p>
             <a:r>
               <a:rPr lang="en-US" altLang="ko-KR" sz="3400" dirty="0" smtClean="0"/>
-              <a:t>maven dependency</a:t>
+              <a:t>Spring-boot</a:t>
+            </a:r>
+          </a:p>
+          <a:p>
+            <a:r>
+              <a:rPr lang="en-US" altLang="ko-KR" sz="3400" dirty="0" smtClean="0"/>
+              <a:t>- version 2.4.2</a:t>
+            </a:r>
+          </a:p>
+          <a:p>
+            <a:endParaRPr lang="en-US" altLang="ko-KR" sz="3400" dirty="0" smtClean="0"/>
+          </a:p>
+          <a:p>
+            <a:r>
+              <a:rPr lang="en-US" altLang="ko-KR" sz="3400" dirty="0" smtClean="0"/>
+              <a:t>maven </a:t>
+            </a:r>
+            <a:r>
+              <a:rPr lang="en-US" altLang="ko-KR" sz="3400" dirty="0" smtClean="0"/>
+              <a:t>dependency</a:t>
             </a:r>
           </a:p>
           <a:p>
@@ -5654,31 +5673,22 @@
           <a:p>
             <a:r>
               <a:rPr lang="en-US" altLang="ko-KR" sz="3400" dirty="0" smtClean="0"/>
-              <a:t>- bootstrap.min.js (Bootstrap4</a:t>
+              <a:t>- bootstrap.min.js (Bootstrap4)</a:t>
+            </a:r>
+          </a:p>
+          <a:p>
+            <a:r>
+              <a:rPr lang="en-US" altLang="ko-KR" sz="3400" dirty="0" smtClean="0"/>
+              <a:t>- summernote-0.8.18 (</a:t>
+            </a:r>
+            <a:r>
+              <a:rPr lang="ko-KR" altLang="en-US" sz="3400" dirty="0" smtClean="0"/>
+              <a:t>텍스트에디터</a:t>
             </a:r>
             <a:r>
               <a:rPr lang="en-US" altLang="ko-KR" sz="3400" dirty="0" smtClean="0"/>
               <a:t>)</a:t>
             </a:r>
-          </a:p>
-          <a:p>
-            <a:r>
-              <a:rPr lang="en-US" altLang="ko-KR" sz="3400" dirty="0" smtClean="0"/>
-              <a:t>- </a:t>
-            </a:r>
-            <a:r>
-              <a:rPr lang="en-US" altLang="ko-KR" sz="3400" dirty="0" smtClean="0"/>
-              <a:t>summernote-0.8.18 (</a:t>
-            </a:r>
-            <a:r>
-              <a:rPr lang="ko-KR" altLang="en-US" sz="3400" dirty="0" smtClean="0"/>
-              <a:t>텍스트에디터</a:t>
-            </a:r>
-            <a:r>
-              <a:rPr lang="en-US" altLang="ko-KR" sz="3400" dirty="0" smtClean="0"/>
-              <a:t>)</a:t>
-            </a:r>
-            <a:endParaRPr lang="en-US" altLang="ko-KR" sz="3400" dirty="0" smtClean="0"/>
           </a:p>
           <a:p>
             <a:endParaRPr lang="en-US" altLang="ko-KR" sz="3400" dirty="0" smtClean="0"/>
